--- a/final-presentations/2021-03-25-iss/09-summary.pptx
+++ b/final-presentations/2021-03-25-iss/09-summary.pptx
@@ -12,7 +12,7 @@
   </p:handoutMasterIdLst>
   <p:sldIdLst>
     <p:sldId id="318" r:id="rId5"/>
-    <p:sldId id="320" r:id="rId6"/>
+    <p:sldId id="1848" r:id="rId6"/>
     <p:sldId id="1840" r:id="rId7"/>
     <p:sldId id="1841" r:id="rId8"/>
     <p:sldId id="1842" r:id="rId9"/>
@@ -266,7 +266,7 @@
           <a:p>
             <a:fld id="{0B842F42-2CE9-4E35-95C1-410DC08A50B1}" type="datetimeFigureOut">
               <a:rPr lang="en-US" smtClean="0"/>
-              <a:t>10/2/2020</a:t>
+              <a:t>3/21/2021</a:t>
             </a:fld>
             <a:endParaRPr lang="en-US"/>
           </a:p>
@@ -431,7 +431,7 @@
           <a:p>
             <a:fld id="{6F282904-F315-4730-8D91-37D99E141A6F}" type="datetimeFigureOut">
               <a:rPr lang="en-US" smtClean="0"/>
-              <a:t>10/2/2020</a:t>
+              <a:t>3/21/2021</a:t>
             </a:fld>
             <a:endParaRPr lang="en-US"/>
           </a:p>
@@ -3598,7 +3598,7 @@
             </a:r>
             <a:r>
               <a:rPr lang="en-US" dirty="0"/>
-              <a:t>, David Rogers</a:t>
+              <a:t>, David M. Rogers</a:t>
             </a:r>
             <a:br>
               <a:rPr lang="en-US" u="sng" dirty="0"/>
@@ -3611,7 +3611,7 @@
           <a:p>
             <a:r>
               <a:rPr lang="en-US" sz="2000" dirty="0"/>
-              <a:t>Better Scientific Software Tutorial, SC20, November 2020</a:t>
+              <a:t>Better Scientific Software Tutorial, ISS, March 2021</a:t>
             </a:r>
           </a:p>
         </p:txBody>
@@ -5053,39 +5053,6 @@
           <a:bodyPr/>
           <a:lstStyle/>
           <a:p>
-            <a:r>
-              <a:rPr lang="en-US" b="1" dirty="0">
-                <a:solidFill>
-                  <a:schemeClr val="tx2"/>
-                </a:solidFill>
-              </a:rPr>
-              <a:t>Please complete an evaluation of this tutorial</a:t>
-            </a:r>
-          </a:p>
-          <a:p>
-            <a:pPr lvl="1"/>
-            <a:r>
-              <a:rPr lang="en-US" u="sng" dirty="0">
-                <a:solidFill>
-                  <a:schemeClr val="tx2"/>
-                </a:solidFill>
-                <a:hlinkClick r:id="rId2">
-                  <a:extLst>
-                    <a:ext uri="{A12FA001-AC4F-418D-AE19-62706E023703}">
-                      <ahyp:hlinkClr xmlns:ahyp="http://schemas.microsoft.com/office/drawing/2018/hyperlinkcolor" val="tx"/>
-                    </a:ext>
-                  </a:extLst>
-                </a:hlinkClick>
-              </a:rPr>
-              <a:t>https://submissions.supercomputing.org/?page=Submit&amp;id=TutorialEvaluation&amp;site=sc20</a:t>
-            </a:r>
-            <a:endParaRPr lang="en-US" u="sng" dirty="0">
-              <a:solidFill>
-                <a:schemeClr val="tx2"/>
-              </a:solidFill>
-            </a:endParaRPr>
-          </a:p>
-          <a:p>
             <a:pPr>
               <a:spcBef>
                 <a:spcPts val="2400"/>
@@ -5097,7 +5064,7 @@
             </a:r>
             <a:r>
               <a:rPr lang="en-US" dirty="0">
-                <a:hlinkClick r:id="rId3"/>
+                <a:hlinkClick r:id="rId2"/>
               </a:rPr>
               <a:t>bssw-tutorial@lists.mcs.anl.gov</a:t>
             </a:r>
@@ -5122,6 +5089,27 @@
             </a:pPr>
             <a:r>
               <a:rPr lang="en-US" dirty="0"/>
+              <a:t>See tutorial web site for links to resources mentioned in the tutorial</a:t>
+            </a:r>
+          </a:p>
+          <a:p>
+            <a:pPr lvl="1"/>
+            <a:r>
+              <a:rPr lang="en-US" dirty="0">
+                <a:hlinkClick r:id="rId3"/>
+              </a:rPr>
+              <a:t>https://bssw-tutorial.github.io/</a:t>
+            </a:r>
+            <a:endParaRPr lang="en-US" dirty="0"/>
+          </a:p>
+          <a:p>
+            <a:pPr>
+              <a:spcBef>
+                <a:spcPts val="2400"/>
+              </a:spcBef>
+            </a:pPr>
+            <a:r>
+              <a:rPr lang="en-US" dirty="0"/>
               <a:t>Follow us:</a:t>
             </a:r>
           </a:p>
@@ -5208,65 +5196,6 @@
               <a:t>https://bssw.io/items.rss</a:t>
             </a:r>
             <a:endParaRPr lang="en-US" dirty="0"/>
-          </a:p>
-        </p:txBody>
-      </p:sp>
-      <p:sp>
-        <p:nvSpPr>
-          <p:cNvPr id="4" name="Rectangle 3">
-            <a:extLst>
-              <a:ext uri="{FF2B5EF4-FFF2-40B4-BE49-F238E27FC236}">
-                <a16:creationId xmlns:a16="http://schemas.microsoft.com/office/drawing/2014/main" id="{C24EF888-692C-4C4D-A080-C4925EC142EE}"/>
-              </a:ext>
-            </a:extLst>
-          </p:cNvPr>
-          <p:cNvSpPr/>
-          <p:nvPr/>
-        </p:nvSpPr>
-        <p:spPr>
-          <a:xfrm>
-            <a:off x="365760" y="1210792"/>
-            <a:ext cx="10922350" cy="980616"/>
-          </a:xfrm>
-          <a:prstGeom prst="rect">
-            <a:avLst/>
-          </a:prstGeom>
-          <a:noFill/>
-          <a:ln w="57150">
-            <a:solidFill>
-              <a:schemeClr val="tx2"/>
-            </a:solidFill>
-          </a:ln>
-          <a:effectLst>
-            <a:outerShdw blurRad="44450" dist="27940" dir="5400000" algn="ctr">
-              <a:srgbClr val="000000">
-                <a:alpha val="32000"/>
-              </a:srgbClr>
-            </a:outerShdw>
-          </a:effectLst>
-        </p:spPr>
-        <p:txBody>
-          <a:bodyPr rot="0" spcFirstLastPara="0" vertOverflow="overflow" horzOverflow="overflow" vert="horz" wrap="square" lIns="121851" tIns="60925" rIns="121851" bIns="60925" numCol="1" spcCol="0" rtlCol="0" fromWordArt="0" anchor="ctr" anchorCtr="0" forceAA="0" compatLnSpc="1">
-            <a:prstTxWarp prst="textNoShape">
-              <a:avLst/>
-            </a:prstTxWarp>
-            <a:noAutofit/>
-          </a:bodyPr>
-          <a:lstStyle/>
-          <a:p>
-            <a:pPr algn="ctr">
-              <a:lnSpc>
-                <a:spcPct val="90000"/>
-              </a:lnSpc>
-            </a:pPr>
-            <a:endParaRPr lang="en-US" sz="2000" dirty="0">
-              <a:ln w="57150">
-                <a:solidFill>
-                  <a:schemeClr val="tx2"/>
-                </a:solidFill>
-              </a:ln>
-              <a:noFill/>
-            </a:endParaRPr>
           </a:p>
         </p:txBody>
       </p:sp>
@@ -5438,13 +5367,13 @@
             </a:pPr>
             <a:r>
               <a:rPr lang="en-US" sz="1600" b="1" dirty="0"/>
-              <a:t>The requested citation the overall tutorial is: David E. Bernholdt, Anshu Dubey, Patricia A. Grubel, Rinku K. Gupta, Better Scientific Software tutorial, in SC ‘20: International Conference for High Performance Computing, Networking, Storage and Analysis, online, 2020. DOI: </a:t>
+              <a:t>The requested citation the overall tutorial is: David E. Bernholdt, Anshu Dubey, Rinku K. Gupta, and David M. Rogers, Better Scientific Software tutorial, in Improving Scientific Software conference, online, 2021. DOI: </a:t>
             </a:r>
             <a:r>
               <a:rPr lang="en-US" sz="1600" b="1" dirty="0">
                 <a:hlinkClick r:id="rId4"/>
               </a:rPr>
-              <a:t>10.6084/m9.figshare.12994376</a:t>
+              <a:t>10.6084/m9.figshare.14256257</a:t>
             </a:r>
             <a:endParaRPr lang="en-US" sz="1600" b="1" dirty="0"/>
           </a:p>
@@ -5650,7 +5579,7 @@
     </p:spTree>
     <p:extLst>
       <p:ext uri="{BB962C8B-B14F-4D97-AF65-F5344CB8AC3E}">
-        <p14:creationId xmlns:p14="http://schemas.microsoft.com/office/powerpoint/2010/main" val="978726433"/>
+        <p14:creationId xmlns:p14="http://schemas.microsoft.com/office/powerpoint/2010/main" val="575333381"/>
       </p:ext>
     </p:extLst>
   </p:cSld>
@@ -7312,7 +7241,13 @@
           </a:p>
           <a:p>
             <a:r>
-              <a:rPr lang="en-US" dirty="0"/>
+              <a:rPr lang="en-US" dirty="0">
+                <a:solidFill>
+                  <a:schemeClr val="bg1">
+                    <a:lumMod val="75000"/>
+                  </a:schemeClr>
+                </a:solidFill>
+              </a:rPr>
               <a:t>Continuous integration testing</a:t>
             </a:r>
           </a:p>
@@ -8578,9 +8513,12 @@
 </file>
 
 <file path=customXml/item1.xml><?xml version="1.0" encoding="utf-8"?>
-<p:properties xmlns:p="http://schemas.microsoft.com/office/2006/metadata/properties" xmlns:xsi="http://www.w3.org/2001/XMLSchema-instance" xmlns:pc="http://schemas.microsoft.com/office/infopath/2007/PartnerControls">
-  <documentManagement/>
-</p:properties>
+<?mso-contentType ?>
+<FormTemplates xmlns="http://schemas.microsoft.com/sharepoint/v3/contenttype/forms">
+  <Display>DocumentLibraryForm</Display>
+  <Edit>DocumentLibraryForm</Edit>
+  <New>DocumentLibraryForm</New>
+</FormTemplates>
 </file>
 
 <file path=customXml/item2.xml><?xml version="1.0" encoding="utf-8"?>
@@ -8633,25 +8571,15 @@
 </file>
 
 <file path=customXml/item3.xml><?xml version="1.0" encoding="utf-8"?>
-<?mso-contentType ?>
-<FormTemplates xmlns="http://schemas.microsoft.com/sharepoint/v3/contenttype/forms">
-  <Display>DocumentLibraryForm</Display>
-  <Edit>DocumentLibraryForm</Edit>
-  <New>DocumentLibraryForm</New>
-</FormTemplates>
+<p:properties xmlns:p="http://schemas.microsoft.com/office/2006/metadata/properties" xmlns:xsi="http://www.w3.org/2001/XMLSchema-instance" xmlns:pc="http://schemas.microsoft.com/office/infopath/2007/PartnerControls">
+  <documentManagement/>
+</p:properties>
 </file>
 
 <file path=customXml/itemProps1.xml><?xml version="1.0" encoding="utf-8"?>
-<ds:datastoreItem xmlns:ds="http://schemas.openxmlformats.org/officeDocument/2006/customXml" ds:itemID="{A50EC660-24D0-43A0-AE5E-E274115E726B}">
+<ds:datastoreItem xmlns:ds="http://schemas.openxmlformats.org/officeDocument/2006/customXml" ds:itemID="{19E20559-B232-4371-8690-E3D8007EDB82}">
   <ds:schemaRefs>
-    <ds:schemaRef ds:uri="http://purl.org/dc/terms/"/>
-    <ds:schemaRef ds:uri="http://schemas.openxmlformats.org/package/2006/metadata/core-properties"/>
-    <ds:schemaRef ds:uri="http://schemas.microsoft.com/office/2006/documentManagement/types"/>
-    <ds:schemaRef ds:uri="http://purl.org/dc/elements/1.1/"/>
-    <ds:schemaRef ds:uri="http://schemas.microsoft.com/office/2006/metadata/properties"/>
-    <ds:schemaRef ds:uri="http://www.w3.org/XML/1998/namespace"/>
-    <ds:schemaRef ds:uri="http://purl.org/dc/dcmitype/"/>
-    <ds:schemaRef ds:uri="http://schemas.microsoft.com/office/infopath/2007/PartnerControls"/>
+    <ds:schemaRef ds:uri="http://schemas.microsoft.com/sharepoint/v3/contenttype/forms"/>
   </ds:schemaRefs>
 </ds:datastoreItem>
 </file>
@@ -8672,9 +8600,16 @@
 </file>
 
 <file path=customXml/itemProps3.xml><?xml version="1.0" encoding="utf-8"?>
-<ds:datastoreItem xmlns:ds="http://schemas.openxmlformats.org/officeDocument/2006/customXml" ds:itemID="{19E20559-B232-4371-8690-E3D8007EDB82}">
+<ds:datastoreItem xmlns:ds="http://schemas.openxmlformats.org/officeDocument/2006/customXml" ds:itemID="{A50EC660-24D0-43A0-AE5E-E274115E726B}">
   <ds:schemaRefs>
-    <ds:schemaRef ds:uri="http://schemas.microsoft.com/sharepoint/v3/contenttype/forms"/>
+    <ds:schemaRef ds:uri="http://purl.org/dc/terms/"/>
+    <ds:schemaRef ds:uri="http://schemas.openxmlformats.org/package/2006/metadata/core-properties"/>
+    <ds:schemaRef ds:uri="http://schemas.microsoft.com/office/2006/documentManagement/types"/>
+    <ds:schemaRef ds:uri="http://purl.org/dc/elements/1.1/"/>
+    <ds:schemaRef ds:uri="http://schemas.microsoft.com/office/2006/metadata/properties"/>
+    <ds:schemaRef ds:uri="http://www.w3.org/XML/1998/namespace"/>
+    <ds:schemaRef ds:uri="http://purl.org/dc/dcmitype/"/>
+    <ds:schemaRef ds:uri="http://schemas.microsoft.com/office/infopath/2007/PartnerControls"/>
   </ds:schemaRefs>
 </ds:datastoreItem>
 </file>
--- a/final-presentations/2021-03-25-iss/09-summary.pptx
+++ b/final-presentations/2021-03-25-iss/09-summary.pptx
@@ -3610,7 +3610,7 @@
           </a:p>
           <a:p>
             <a:r>
-              <a:rPr lang="en-US" sz="2000" dirty="0"/>
+              <a:rPr lang="en-US" dirty="0"/>
               <a:t>Better Scientific Software Tutorial, ISS, March 2021</a:t>
             </a:r>
           </a:p>
@@ -8513,12 +8513,9 @@
 </file>
 
 <file path=customXml/item1.xml><?xml version="1.0" encoding="utf-8"?>
-<?mso-contentType ?>
-<FormTemplates xmlns="http://schemas.microsoft.com/sharepoint/v3/contenttype/forms">
-  <Display>DocumentLibraryForm</Display>
-  <Edit>DocumentLibraryForm</Edit>
-  <New>DocumentLibraryForm</New>
-</FormTemplates>
+<p:properties xmlns:p="http://schemas.microsoft.com/office/2006/metadata/properties" xmlns:xsi="http://www.w3.org/2001/XMLSchema-instance" xmlns:pc="http://schemas.microsoft.com/office/infopath/2007/PartnerControls">
+  <documentManagement/>
+</p:properties>
 </file>
 
 <file path=customXml/item2.xml><?xml version="1.0" encoding="utf-8"?>
@@ -8571,15 +8568,25 @@
 </file>
 
 <file path=customXml/item3.xml><?xml version="1.0" encoding="utf-8"?>
-<p:properties xmlns:p="http://schemas.microsoft.com/office/2006/metadata/properties" xmlns:xsi="http://www.w3.org/2001/XMLSchema-instance" xmlns:pc="http://schemas.microsoft.com/office/infopath/2007/PartnerControls">
-  <documentManagement/>
-</p:properties>
+<?mso-contentType ?>
+<FormTemplates xmlns="http://schemas.microsoft.com/sharepoint/v3/contenttype/forms">
+  <Display>DocumentLibraryForm</Display>
+  <Edit>DocumentLibraryForm</Edit>
+  <New>DocumentLibraryForm</New>
+</FormTemplates>
 </file>
 
 <file path=customXml/itemProps1.xml><?xml version="1.0" encoding="utf-8"?>
-<ds:datastoreItem xmlns:ds="http://schemas.openxmlformats.org/officeDocument/2006/customXml" ds:itemID="{19E20559-B232-4371-8690-E3D8007EDB82}">
+<ds:datastoreItem xmlns:ds="http://schemas.openxmlformats.org/officeDocument/2006/customXml" ds:itemID="{A50EC660-24D0-43A0-AE5E-E274115E726B}">
   <ds:schemaRefs>
-    <ds:schemaRef ds:uri="http://schemas.microsoft.com/sharepoint/v3/contenttype/forms"/>
+    <ds:schemaRef ds:uri="http://purl.org/dc/terms/"/>
+    <ds:schemaRef ds:uri="http://schemas.openxmlformats.org/package/2006/metadata/core-properties"/>
+    <ds:schemaRef ds:uri="http://schemas.microsoft.com/office/2006/documentManagement/types"/>
+    <ds:schemaRef ds:uri="http://purl.org/dc/elements/1.1/"/>
+    <ds:schemaRef ds:uri="http://schemas.microsoft.com/office/2006/metadata/properties"/>
+    <ds:schemaRef ds:uri="http://www.w3.org/XML/1998/namespace"/>
+    <ds:schemaRef ds:uri="http://purl.org/dc/dcmitype/"/>
+    <ds:schemaRef ds:uri="http://schemas.microsoft.com/office/infopath/2007/PartnerControls"/>
   </ds:schemaRefs>
 </ds:datastoreItem>
 </file>
@@ -8600,16 +8607,9 @@
 </file>
 
 <file path=customXml/itemProps3.xml><?xml version="1.0" encoding="utf-8"?>
-<ds:datastoreItem xmlns:ds="http://schemas.openxmlformats.org/officeDocument/2006/customXml" ds:itemID="{A50EC660-24D0-43A0-AE5E-E274115E726B}">
+<ds:datastoreItem xmlns:ds="http://schemas.openxmlformats.org/officeDocument/2006/customXml" ds:itemID="{19E20559-B232-4371-8690-E3D8007EDB82}">
   <ds:schemaRefs>
-    <ds:schemaRef ds:uri="http://purl.org/dc/terms/"/>
-    <ds:schemaRef ds:uri="http://schemas.openxmlformats.org/package/2006/metadata/core-properties"/>
-    <ds:schemaRef ds:uri="http://schemas.microsoft.com/office/2006/documentManagement/types"/>
-    <ds:schemaRef ds:uri="http://purl.org/dc/elements/1.1/"/>
-    <ds:schemaRef ds:uri="http://schemas.microsoft.com/office/2006/metadata/properties"/>
-    <ds:schemaRef ds:uri="http://www.w3.org/XML/1998/namespace"/>
-    <ds:schemaRef ds:uri="http://purl.org/dc/dcmitype/"/>
-    <ds:schemaRef ds:uri="http://schemas.microsoft.com/office/infopath/2007/PartnerControls"/>
+    <ds:schemaRef ds:uri="http://schemas.microsoft.com/sharepoint/v3/contenttype/forms"/>
   </ds:schemaRefs>
 </ds:datastoreItem>
 </file>